--- a/Pitches/Concept_Pitch.pptx
+++ b/Pitches/Concept_Pitch.pptx
@@ -3149,22 +3149,22 @@
             <a:r>
               <a:rPr lang="pt-PT" sz="1400" dirty="0">
                 <a:solidFill>
-                  <a:srgbClr val="FF3300"/>
+                  <a:srgbClr val="FFC000"/>
                 </a:solidFill>
                 <a:latin typeface="Old newspaper font" panose="02000500000000000000" pitchFamily="2" charset="0"/>
               </a:rPr>
-              <a:t>21901381</a:t>
+              <a:t>21901381  </a:t>
             </a:r>
             <a:r>
               <a:rPr lang="pt-PT" sz="1400" dirty="0">
                 <a:latin typeface="Old newspaper font" panose="02000500000000000000" pitchFamily="2" charset="0"/>
               </a:rPr>
-              <a:t>    André Santos – </a:t>
+              <a:t>  André Santos – </a:t>
             </a:r>
             <a:r>
               <a:rPr lang="pt-PT" sz="1400" dirty="0">
                 <a:solidFill>
-                  <a:srgbClr val="FF3300"/>
+                  <a:srgbClr val="FFC000"/>
                 </a:solidFill>
                 <a:latin typeface="Old newspaper font" panose="02000500000000000000" pitchFamily="2" charset="0"/>
               </a:rPr>
@@ -3179,7 +3179,7 @@
             <a:r>
               <a:rPr lang="pt-PT" sz="1400" dirty="0">
                 <a:solidFill>
-                  <a:srgbClr val="FF3300"/>
+                  <a:srgbClr val="FFC000"/>
                 </a:solidFill>
                 <a:latin typeface="Old newspaper font" panose="02000500000000000000" pitchFamily="2" charset="0"/>
               </a:rPr>
@@ -3294,7 +3294,7 @@
             <a:r>
               <a:rPr lang="pt-PT" sz="4000" b="1" dirty="0">
                 <a:solidFill>
-                  <a:srgbClr val="FF3300"/>
+                  <a:srgbClr val="FFC000"/>
                 </a:solidFill>
                 <a:latin typeface="Old newspaper font" panose="02000500000000000000" pitchFamily="2" charset="0"/>
               </a:rPr>
@@ -3506,7 +3506,7 @@
           </a:prstGeom>
           <a:ln w="38100">
             <a:solidFill>
-              <a:srgbClr val="FF3300"/>
+              <a:schemeClr val="accent1"/>
             </a:solidFill>
           </a:ln>
         </p:spPr>
@@ -3725,7 +3725,7 @@
           </a:prstGeom>
           <a:ln w="38100">
             <a:solidFill>
-              <a:srgbClr val="FF3300"/>
+              <a:schemeClr val="accent1"/>
             </a:solidFill>
           </a:ln>
         </p:spPr>

--- a/Pitches/Concept_Pitch.pptx
+++ b/Pitches/Concept_Pitch.pptx
@@ -8,12 +8,7 @@
     <p:sldId id="257" r:id="rId2"/>
     <p:sldId id="263" r:id="rId3"/>
     <p:sldId id="270" r:id="rId4"/>
-    <p:sldId id="264" r:id="rId5"/>
-    <p:sldId id="265" r:id="rId6"/>
-    <p:sldId id="266" r:id="rId7"/>
-    <p:sldId id="267" r:id="rId8"/>
-    <p:sldId id="268" r:id="rId9"/>
-    <p:sldId id="269" r:id="rId10"/>
+    <p:sldId id="271" r:id="rId5"/>
   </p:sldIdLst>
   <p:sldSz cx="12192000" cy="6858000"/>
   <p:notesSz cx="6858000" cy="9144000"/>
@@ -251,7 +246,7 @@
           <a:p>
             <a:fld id="{5C733B4D-A7FA-46D8-BD5A-EB04708D9815}" type="datetimeFigureOut">
               <a:rPr lang="pt-PT" smtClean="0"/>
-              <a:t>13/11/2020</a:t>
+              <a:t>17/11/2020</a:t>
             </a:fld>
             <a:endParaRPr lang="pt-PT" dirty="0"/>
           </a:p>
@@ -421,7 +416,7 @@
           <a:p>
             <a:fld id="{5C733B4D-A7FA-46D8-BD5A-EB04708D9815}" type="datetimeFigureOut">
               <a:rPr lang="pt-PT" smtClean="0"/>
-              <a:t>13/11/2020</a:t>
+              <a:t>17/11/2020</a:t>
             </a:fld>
             <a:endParaRPr lang="pt-PT" dirty="0"/>
           </a:p>
@@ -601,7 +596,7 @@
           <a:p>
             <a:fld id="{5C733B4D-A7FA-46D8-BD5A-EB04708D9815}" type="datetimeFigureOut">
               <a:rPr lang="pt-PT" smtClean="0"/>
-              <a:t>13/11/2020</a:t>
+              <a:t>17/11/2020</a:t>
             </a:fld>
             <a:endParaRPr lang="pt-PT" dirty="0"/>
           </a:p>
@@ -771,7 +766,7 @@
           <a:p>
             <a:fld id="{5C733B4D-A7FA-46D8-BD5A-EB04708D9815}" type="datetimeFigureOut">
               <a:rPr lang="pt-PT" smtClean="0"/>
-              <a:t>13/11/2020</a:t>
+              <a:t>17/11/2020</a:t>
             </a:fld>
             <a:endParaRPr lang="pt-PT" dirty="0"/>
           </a:p>
@@ -1017,7 +1012,7 @@
           <a:p>
             <a:fld id="{5C733B4D-A7FA-46D8-BD5A-EB04708D9815}" type="datetimeFigureOut">
               <a:rPr lang="pt-PT" smtClean="0"/>
-              <a:t>13/11/2020</a:t>
+              <a:t>17/11/2020</a:t>
             </a:fld>
             <a:endParaRPr lang="pt-PT" dirty="0"/>
           </a:p>
@@ -1249,7 +1244,7 @@
           <a:p>
             <a:fld id="{5C733B4D-A7FA-46D8-BD5A-EB04708D9815}" type="datetimeFigureOut">
               <a:rPr lang="pt-PT" smtClean="0"/>
-              <a:t>13/11/2020</a:t>
+              <a:t>17/11/2020</a:t>
             </a:fld>
             <a:endParaRPr lang="pt-PT" dirty="0"/>
           </a:p>
@@ -1616,7 +1611,7 @@
           <a:p>
             <a:fld id="{5C733B4D-A7FA-46D8-BD5A-EB04708D9815}" type="datetimeFigureOut">
               <a:rPr lang="pt-PT" smtClean="0"/>
-              <a:t>13/11/2020</a:t>
+              <a:t>17/11/2020</a:t>
             </a:fld>
             <a:endParaRPr lang="pt-PT" dirty="0"/>
           </a:p>
@@ -1734,7 +1729,7 @@
           <a:p>
             <a:fld id="{5C733B4D-A7FA-46D8-BD5A-EB04708D9815}" type="datetimeFigureOut">
               <a:rPr lang="pt-PT" smtClean="0"/>
-              <a:t>13/11/2020</a:t>
+              <a:t>17/11/2020</a:t>
             </a:fld>
             <a:endParaRPr lang="pt-PT" dirty="0"/>
           </a:p>
@@ -1829,7 +1824,7 @@
           <a:p>
             <a:fld id="{5C733B4D-A7FA-46D8-BD5A-EB04708D9815}" type="datetimeFigureOut">
               <a:rPr lang="pt-PT" smtClean="0"/>
-              <a:t>13/11/2020</a:t>
+              <a:t>17/11/2020</a:t>
             </a:fld>
             <a:endParaRPr lang="pt-PT" dirty="0"/>
           </a:p>
@@ -2106,7 +2101,7 @@
           <a:p>
             <a:fld id="{5C733B4D-A7FA-46D8-BD5A-EB04708D9815}" type="datetimeFigureOut">
               <a:rPr lang="pt-PT" smtClean="0"/>
-              <a:t>13/11/2020</a:t>
+              <a:t>17/11/2020</a:t>
             </a:fld>
             <a:endParaRPr lang="pt-PT" dirty="0"/>
           </a:p>
@@ -2363,7 +2358,7 @@
           <a:p>
             <a:fld id="{5C733B4D-A7FA-46D8-BD5A-EB04708D9815}" type="datetimeFigureOut">
               <a:rPr lang="pt-PT" smtClean="0"/>
-              <a:t>13/11/2020</a:t>
+              <a:t>17/11/2020</a:t>
             </a:fld>
             <a:endParaRPr lang="pt-PT" dirty="0"/>
           </a:p>
@@ -2576,7 +2571,7 @@
           <a:p>
             <a:fld id="{5C733B4D-A7FA-46D8-BD5A-EB04708D9815}" type="datetimeFigureOut">
               <a:rPr lang="pt-PT" smtClean="0"/>
-              <a:t>13/11/2020</a:t>
+              <a:t>17/11/2020</a:t>
             </a:fld>
             <a:endParaRPr lang="pt-PT" dirty="0"/>
           </a:p>
@@ -3506,7 +3501,7 @@
           </a:prstGeom>
           <a:ln w="38100">
             <a:solidFill>
-              <a:schemeClr val="accent1"/>
+              <a:srgbClr val="FFC000"/>
             </a:solidFill>
           </a:ln>
         </p:spPr>
@@ -3725,7 +3720,7 @@
           </a:prstGeom>
           <a:ln w="38100">
             <a:solidFill>
-              <a:schemeClr val="accent1"/>
+              <a:srgbClr val="FFC000"/>
             </a:solidFill>
           </a:ln>
         </p:spPr>
@@ -3760,206 +3755,6 @@
 <file path=ppt/slides/slide4.xml><?xml version="1.0" encoding="utf-8"?>
 <p:sld xmlns:a="http://schemas.openxmlformats.org/drawingml/2006/main" xmlns:r="http://schemas.openxmlformats.org/officeDocument/2006/relationships" xmlns:p="http://schemas.openxmlformats.org/presentationml/2006/main">
   <p:cSld>
-    <p:spTree>
-      <p:nvGrpSpPr>
-        <p:cNvPr id="1" name=""/>
-        <p:cNvGrpSpPr/>
-        <p:nvPr/>
-      </p:nvGrpSpPr>
-      <p:grpSpPr>
-        <a:xfrm>
-          <a:off x="0" y="0"/>
-          <a:ext cx="0" cy="0"/>
-          <a:chOff x="0" y="0"/>
-          <a:chExt cx="0" cy="0"/>
-        </a:xfrm>
-      </p:grpSpPr>
-      <p:sp>
-        <p:nvSpPr>
-          <p:cNvPr id="2" name="Título 1">
-            <a:extLst>
-              <a:ext uri="{FF2B5EF4-FFF2-40B4-BE49-F238E27FC236}">
-                <a16:creationId xmlns:a16="http://schemas.microsoft.com/office/drawing/2014/main" id="{577F0186-C90E-4013-AD7E-F727E5CD029F}"/>
-              </a:ext>
-            </a:extLst>
-          </p:cNvPr>
-          <p:cNvSpPr>
-            <a:spLocks noGrp="1"/>
-          </p:cNvSpPr>
-          <p:nvPr>
-            <p:ph type="title"/>
-          </p:nvPr>
-        </p:nvSpPr>
-        <p:spPr/>
-        <p:txBody>
-          <a:bodyPr/>
-          <a:lstStyle/>
-          <a:p>
-            <a:endParaRPr lang="en-US" dirty="0"/>
-          </a:p>
-        </p:txBody>
-      </p:sp>
-      <p:pic>
-        <p:nvPicPr>
-          <p:cNvPr id="9" name="Marcador de Posição de Conteúdo 8" descr="Uma imagem com monitor, sentado, ecrã, computador&#10;&#10;Descrição gerada automaticamente">
-            <a:extLst>
-              <a:ext uri="{FF2B5EF4-FFF2-40B4-BE49-F238E27FC236}">
-                <a16:creationId xmlns:a16="http://schemas.microsoft.com/office/drawing/2014/main" id="{C89F9AEF-48AD-4817-80AD-CF78D2CD4488}"/>
-              </a:ext>
-            </a:extLst>
-          </p:cNvPr>
-          <p:cNvPicPr>
-            <a:picLocks noGrp="1" noChangeAspect="1"/>
-          </p:cNvPicPr>
-          <p:nvPr>
-            <p:ph idx="1"/>
-          </p:nvPr>
-        </p:nvPicPr>
-        <p:blipFill>
-          <a:blip r:embed="rId2">
-            <a:extLst>
-              <a:ext uri="{28A0092B-C50C-407E-A947-70E740481C1C}">
-                <a14:useLocalDpi xmlns:a14="http://schemas.microsoft.com/office/drawing/2010/main" val="0"/>
-              </a:ext>
-            </a:extLst>
-          </a:blip>
-          <a:stretch>
-            <a:fillRect/>
-          </a:stretch>
-        </p:blipFill>
-        <p:spPr>
-          <a:xfrm>
-            <a:off x="0" y="0"/>
-            <a:ext cx="12192000" cy="6858000"/>
-          </a:xfrm>
-        </p:spPr>
-      </p:pic>
-    </p:spTree>
-    <p:extLst>
-      <p:ext uri="{BB962C8B-B14F-4D97-AF65-F5344CB8AC3E}">
-        <p14:creationId xmlns:p14="http://schemas.microsoft.com/office/powerpoint/2010/main" val="1467285000"/>
-      </p:ext>
-    </p:extLst>
-  </p:cSld>
-  <p:clrMapOvr>
-    <a:masterClrMapping/>
-  </p:clrMapOvr>
-</p:sld>
-</file>
-
-<file path=ppt/slides/slide5.xml><?xml version="1.0" encoding="utf-8"?>
-<p:sld xmlns:a="http://schemas.openxmlformats.org/drawingml/2006/main" xmlns:r="http://schemas.openxmlformats.org/officeDocument/2006/relationships" xmlns:p="http://schemas.openxmlformats.org/presentationml/2006/main">
-  <p:cSld>
-    <p:spTree>
-      <p:nvGrpSpPr>
-        <p:cNvPr id="1" name=""/>
-        <p:cNvGrpSpPr/>
-        <p:nvPr/>
-      </p:nvGrpSpPr>
-      <p:grpSpPr>
-        <a:xfrm>
-          <a:off x="0" y="0"/>
-          <a:ext cx="0" cy="0"/>
-          <a:chOff x="0" y="0"/>
-          <a:chExt cx="0" cy="0"/>
-        </a:xfrm>
-      </p:grpSpPr>
-      <p:sp>
-        <p:nvSpPr>
-          <p:cNvPr id="2" name="Título 1">
-            <a:extLst>
-              <a:ext uri="{FF2B5EF4-FFF2-40B4-BE49-F238E27FC236}">
-                <a16:creationId xmlns:a16="http://schemas.microsoft.com/office/drawing/2014/main" id="{577F0186-C90E-4013-AD7E-F727E5CD029F}"/>
-              </a:ext>
-            </a:extLst>
-          </p:cNvPr>
-          <p:cNvSpPr>
-            <a:spLocks noGrp="1"/>
-          </p:cNvSpPr>
-          <p:nvPr>
-            <p:ph type="title"/>
-          </p:nvPr>
-        </p:nvSpPr>
-        <p:spPr/>
-        <p:txBody>
-          <a:bodyPr/>
-          <a:lstStyle/>
-          <a:p>
-            <a:endParaRPr lang="en-US" dirty="0"/>
-          </a:p>
-        </p:txBody>
-      </p:sp>
-      <p:sp>
-        <p:nvSpPr>
-          <p:cNvPr id="4" name="Marcador de Posição de Conteúdo 3">
-            <a:extLst>
-              <a:ext uri="{FF2B5EF4-FFF2-40B4-BE49-F238E27FC236}">
-                <a16:creationId xmlns:a16="http://schemas.microsoft.com/office/drawing/2014/main" id="{EC7D2B86-D6CD-44ED-9C66-2182E52FCB04}"/>
-              </a:ext>
-            </a:extLst>
-          </p:cNvPr>
-          <p:cNvSpPr>
-            <a:spLocks noGrp="1"/>
-          </p:cNvSpPr>
-          <p:nvPr>
-            <p:ph idx="1"/>
-          </p:nvPr>
-        </p:nvSpPr>
-        <p:spPr/>
-        <p:txBody>
-          <a:bodyPr/>
-          <a:lstStyle/>
-          <a:p>
-            <a:endParaRPr lang="en-US" dirty="0"/>
-          </a:p>
-        </p:txBody>
-      </p:sp>
-      <p:pic>
-        <p:nvPicPr>
-          <p:cNvPr id="5" name="Imagem 4">
-            <a:extLst>
-              <a:ext uri="{FF2B5EF4-FFF2-40B4-BE49-F238E27FC236}">
-                <a16:creationId xmlns:a16="http://schemas.microsoft.com/office/drawing/2014/main" id="{940A216B-9013-48AD-8109-1EB0D0F6BCB8}"/>
-              </a:ext>
-            </a:extLst>
-          </p:cNvPr>
-          <p:cNvPicPr>
-            <a:picLocks noChangeAspect="1"/>
-          </p:cNvPicPr>
-          <p:nvPr/>
-        </p:nvPicPr>
-        <p:blipFill>
-          <a:blip r:embed="rId2"/>
-          <a:stretch>
-            <a:fillRect/>
-          </a:stretch>
-        </p:blipFill>
-        <p:spPr>
-          <a:xfrm>
-            <a:off x="0" y="0"/>
-            <a:ext cx="12192000" cy="6858000"/>
-          </a:xfrm>
-          <a:prstGeom prst="rect">
-            <a:avLst/>
-          </a:prstGeom>
-        </p:spPr>
-      </p:pic>
-    </p:spTree>
-    <p:extLst>
-      <p:ext uri="{BB962C8B-B14F-4D97-AF65-F5344CB8AC3E}">
-        <p14:creationId xmlns:p14="http://schemas.microsoft.com/office/powerpoint/2010/main" val="896245274"/>
-      </p:ext>
-    </p:extLst>
-  </p:cSld>
-  <p:clrMapOvr>
-    <a:masterClrMapping/>
-  </p:clrMapOvr>
-</p:sld>
-</file>
-
-<file path=ppt/slides/slide6.xml><?xml version="1.0" encoding="utf-8"?>
-<p:sld xmlns:a="http://schemas.openxmlformats.org/drawingml/2006/main" xmlns:r="http://schemas.openxmlformats.org/officeDocument/2006/relationships" xmlns:p="http://schemas.openxmlformats.org/presentationml/2006/main">
-  <p:cSld>
     <p:bg>
       <p:bgPr>
         <a:solidFill>
@@ -3982,1118 +3777,16 @@
           <a:chExt cx="0" cy="0"/>
         </a:xfrm>
       </p:grpSpPr>
-      <p:sp>
-        <p:nvSpPr>
-          <p:cNvPr id="8" name="Título 1">
-            <a:extLst>
-              <a:ext uri="{FF2B5EF4-FFF2-40B4-BE49-F238E27FC236}">
-                <a16:creationId xmlns:a16="http://schemas.microsoft.com/office/drawing/2014/main" id="{066EAEA8-E93F-4ABB-8717-BDAFCCA8BB83}"/>
-              </a:ext>
-            </a:extLst>
-          </p:cNvPr>
-          <p:cNvSpPr>
-            <a:spLocks noGrp="1"/>
-          </p:cNvSpPr>
-          <p:nvPr>
-            <p:ph type="title"/>
-          </p:nvPr>
-        </p:nvSpPr>
-        <p:spPr>
-          <a:xfrm>
-            <a:off x="2210936" y="844486"/>
-            <a:ext cx="9484225" cy="1461778"/>
-          </a:xfrm>
-        </p:spPr>
-        <p:txBody>
-          <a:bodyPr vert="horz" lIns="91440" tIns="45720" rIns="91440" bIns="45720" rtlCol="0" anchor="ctr">
-            <a:normAutofit/>
-          </a:bodyPr>
-          <a:lstStyle/>
-          <a:p>
-            <a:r>
-              <a:rPr lang="en-US" sz="4000" b="1" dirty="0">
-                <a:latin typeface="Sulphur Point" panose="00000500000000000000" pitchFamily="2" charset="0"/>
-              </a:rPr>
-              <a:t>Arcade</a:t>
-            </a:r>
-          </a:p>
-        </p:txBody>
-      </p:sp>
-      <p:pic>
-        <p:nvPicPr>
-          <p:cNvPr id="5" name="Marcador de Posição de Conteúdo 4" descr="Uma imagem com interior, armário, edifício, sentado&#10;&#10;Descrição gerada automaticamente">
-            <a:extLst>
-              <a:ext uri="{FF2B5EF4-FFF2-40B4-BE49-F238E27FC236}">
-                <a16:creationId xmlns:a16="http://schemas.microsoft.com/office/drawing/2014/main" id="{01EE1D4E-3903-4A3B-99A6-8990F26FCFC5}"/>
-              </a:ext>
-            </a:extLst>
-          </p:cNvPr>
-          <p:cNvPicPr>
-            <a:picLocks noGrp="1" noChangeAspect="1"/>
-          </p:cNvPicPr>
-          <p:nvPr>
-            <p:ph idx="1"/>
-          </p:nvPr>
-        </p:nvPicPr>
-        <p:blipFill rotWithShape="1">
-          <a:blip r:embed="rId2">
-            <a:alphaModFix amt="40000"/>
-            <a:extLst>
-              <a:ext uri="{28A0092B-C50C-407E-A947-70E740481C1C}">
-                <a14:useLocalDpi xmlns:a14="http://schemas.microsoft.com/office/drawing/2010/main" val="0"/>
-              </a:ext>
-            </a:extLst>
-          </a:blip>
-          <a:srcRect/>
-          <a:stretch/>
-        </p:blipFill>
-        <p:spPr>
-          <a:xfrm>
-            <a:off x="3" y="10"/>
-            <a:ext cx="12191997" cy="6857990"/>
-          </a:xfrm>
-          <a:prstGeom prst="rect">
-            <a:avLst/>
-          </a:prstGeom>
-        </p:spPr>
-      </p:pic>
-      <p:sp>
-        <p:nvSpPr>
-          <p:cNvPr id="9" name="Marcador de Posição de Conteúdo 2">
-            <a:extLst>
-              <a:ext uri="{FF2B5EF4-FFF2-40B4-BE49-F238E27FC236}">
-                <a16:creationId xmlns:a16="http://schemas.microsoft.com/office/drawing/2014/main" id="{837242CB-D190-420C-B4AB-7F73C65024FD}"/>
-              </a:ext>
-            </a:extLst>
-          </p:cNvPr>
-          <p:cNvSpPr txBox="1">
-            <a:spLocks/>
-          </p:cNvSpPr>
-          <p:nvPr/>
-        </p:nvSpPr>
-        <p:spPr>
-          <a:xfrm>
-            <a:off x="2210936" y="2195697"/>
-            <a:ext cx="9484235" cy="3654687"/>
-          </a:xfrm>
-          <a:prstGeom prst="rect">
-            <a:avLst/>
-          </a:prstGeom>
-        </p:spPr>
-        <p:txBody>
-          <a:bodyPr vert="horz" lIns="91440" tIns="45720" rIns="91440" bIns="45720" rtlCol="0">
-            <a:normAutofit/>
-          </a:bodyPr>
-          <a:lstStyle>
-            <a:lvl1pPr marL="228600" indent="-228600" algn="l" defTabSz="914400" rtl="0" eaLnBrk="1" latinLnBrk="0" hangingPunct="1">
-              <a:lnSpc>
-                <a:spcPct val="90000"/>
-              </a:lnSpc>
-              <a:spcBef>
-                <a:spcPts val="1000"/>
-              </a:spcBef>
-              <a:buFont typeface="Arial" panose="020B0604020202020204" pitchFamily="34" charset="0"/>
-              <a:buChar char="•"/>
-              <a:defRPr sz="2800" kern="1200">
-                <a:solidFill>
-                  <a:schemeClr val="tx1"/>
-                </a:solidFill>
-                <a:latin typeface="+mn-lt"/>
-                <a:ea typeface="+mn-ea"/>
-                <a:cs typeface="+mn-cs"/>
-              </a:defRPr>
-            </a:lvl1pPr>
-            <a:lvl2pPr marL="685800" indent="-228600" algn="l" defTabSz="914400" rtl="0" eaLnBrk="1" latinLnBrk="0" hangingPunct="1">
-              <a:lnSpc>
-                <a:spcPct val="90000"/>
-              </a:lnSpc>
-              <a:spcBef>
-                <a:spcPts val="500"/>
-              </a:spcBef>
-              <a:buFont typeface="Arial" panose="020B0604020202020204" pitchFamily="34" charset="0"/>
-              <a:buChar char="•"/>
-              <a:defRPr sz="2400" kern="1200">
-                <a:solidFill>
-                  <a:schemeClr val="tx1"/>
-                </a:solidFill>
-                <a:latin typeface="+mn-lt"/>
-                <a:ea typeface="+mn-ea"/>
-                <a:cs typeface="+mn-cs"/>
-              </a:defRPr>
-            </a:lvl2pPr>
-            <a:lvl3pPr marL="1143000" indent="-228600" algn="l" defTabSz="914400" rtl="0" eaLnBrk="1" latinLnBrk="0" hangingPunct="1">
-              <a:lnSpc>
-                <a:spcPct val="90000"/>
-              </a:lnSpc>
-              <a:spcBef>
-                <a:spcPts val="500"/>
-              </a:spcBef>
-              <a:buFont typeface="Arial" panose="020B0604020202020204" pitchFamily="34" charset="0"/>
-              <a:buChar char="•"/>
-              <a:defRPr sz="2000" kern="1200">
-                <a:solidFill>
-                  <a:schemeClr val="tx1"/>
-                </a:solidFill>
-                <a:latin typeface="+mn-lt"/>
-                <a:ea typeface="+mn-ea"/>
-                <a:cs typeface="+mn-cs"/>
-              </a:defRPr>
-            </a:lvl3pPr>
-            <a:lvl4pPr marL="1600200" indent="-228600" algn="l" defTabSz="914400" rtl="0" eaLnBrk="1" latinLnBrk="0" hangingPunct="1">
-              <a:lnSpc>
-                <a:spcPct val="90000"/>
-              </a:lnSpc>
-              <a:spcBef>
-                <a:spcPts val="500"/>
-              </a:spcBef>
-              <a:buFont typeface="Arial" panose="020B0604020202020204" pitchFamily="34" charset="0"/>
-              <a:buChar char="•"/>
-              <a:defRPr sz="1800" kern="1200">
-                <a:solidFill>
-                  <a:schemeClr val="tx1"/>
-                </a:solidFill>
-                <a:latin typeface="+mn-lt"/>
-                <a:ea typeface="+mn-ea"/>
-                <a:cs typeface="+mn-cs"/>
-              </a:defRPr>
-            </a:lvl4pPr>
-            <a:lvl5pPr marL="2057400" indent="-228600" algn="l" defTabSz="914400" rtl="0" eaLnBrk="1" latinLnBrk="0" hangingPunct="1">
-              <a:lnSpc>
-                <a:spcPct val="90000"/>
-              </a:lnSpc>
-              <a:spcBef>
-                <a:spcPts val="500"/>
-              </a:spcBef>
-              <a:buFont typeface="Arial" panose="020B0604020202020204" pitchFamily="34" charset="0"/>
-              <a:buChar char="•"/>
-              <a:defRPr sz="1800" kern="1200">
-                <a:solidFill>
-                  <a:schemeClr val="tx1"/>
-                </a:solidFill>
-                <a:latin typeface="+mn-lt"/>
-                <a:ea typeface="+mn-ea"/>
-                <a:cs typeface="+mn-cs"/>
-              </a:defRPr>
-            </a:lvl5pPr>
-            <a:lvl6pPr marL="2514600" indent="-228600" algn="l" defTabSz="914400" rtl="0" eaLnBrk="1" latinLnBrk="0" hangingPunct="1">
-              <a:lnSpc>
-                <a:spcPct val="90000"/>
-              </a:lnSpc>
-              <a:spcBef>
-                <a:spcPts val="500"/>
-              </a:spcBef>
-              <a:buFont typeface="Arial" panose="020B0604020202020204" pitchFamily="34" charset="0"/>
-              <a:buChar char="•"/>
-              <a:defRPr sz="1800" kern="1200">
-                <a:solidFill>
-                  <a:schemeClr val="tx1"/>
-                </a:solidFill>
-                <a:latin typeface="+mn-lt"/>
-                <a:ea typeface="+mn-ea"/>
-                <a:cs typeface="+mn-cs"/>
-              </a:defRPr>
-            </a:lvl6pPr>
-            <a:lvl7pPr marL="2971800" indent="-228600" algn="l" defTabSz="914400" rtl="0" eaLnBrk="1" latinLnBrk="0" hangingPunct="1">
-              <a:lnSpc>
-                <a:spcPct val="90000"/>
-              </a:lnSpc>
-              <a:spcBef>
-                <a:spcPts val="500"/>
-              </a:spcBef>
-              <a:buFont typeface="Arial" panose="020B0604020202020204" pitchFamily="34" charset="0"/>
-              <a:buChar char="•"/>
-              <a:defRPr sz="1800" kern="1200">
-                <a:solidFill>
-                  <a:schemeClr val="tx1"/>
-                </a:solidFill>
-                <a:latin typeface="+mn-lt"/>
-                <a:ea typeface="+mn-ea"/>
-                <a:cs typeface="+mn-cs"/>
-              </a:defRPr>
-            </a:lvl7pPr>
-            <a:lvl8pPr marL="3429000" indent="-228600" algn="l" defTabSz="914400" rtl="0" eaLnBrk="1" latinLnBrk="0" hangingPunct="1">
-              <a:lnSpc>
-                <a:spcPct val="90000"/>
-              </a:lnSpc>
-              <a:spcBef>
-                <a:spcPts val="500"/>
-              </a:spcBef>
-              <a:buFont typeface="Arial" panose="020B0604020202020204" pitchFamily="34" charset="0"/>
-              <a:buChar char="•"/>
-              <a:defRPr sz="1800" kern="1200">
-                <a:solidFill>
-                  <a:schemeClr val="tx1"/>
-                </a:solidFill>
-                <a:latin typeface="+mn-lt"/>
-                <a:ea typeface="+mn-ea"/>
-                <a:cs typeface="+mn-cs"/>
-              </a:defRPr>
-            </a:lvl8pPr>
-            <a:lvl9pPr marL="3886200" indent="-228600" algn="l" defTabSz="914400" rtl="0" eaLnBrk="1" latinLnBrk="0" hangingPunct="1">
-              <a:lnSpc>
-                <a:spcPct val="90000"/>
-              </a:lnSpc>
-              <a:spcBef>
-                <a:spcPts val="500"/>
-              </a:spcBef>
-              <a:buFont typeface="Arial" panose="020B0604020202020204" pitchFamily="34" charset="0"/>
-              <a:buChar char="•"/>
-              <a:defRPr sz="1800" kern="1200">
-                <a:solidFill>
-                  <a:schemeClr val="tx1"/>
-                </a:solidFill>
-                <a:latin typeface="+mn-lt"/>
-                <a:ea typeface="+mn-ea"/>
-                <a:cs typeface="+mn-cs"/>
-              </a:defRPr>
-            </a:lvl9pPr>
-          </a:lstStyle>
-          <a:p>
-            <a:r>
-              <a:rPr lang="en-US" sz="2000" dirty="0">
-                <a:latin typeface="Sulphur Point" panose="00000500000000000000" pitchFamily="2" charset="0"/>
-              </a:rPr>
-              <a:t>Endless Runner based on Campaign mode.</a:t>
-            </a:r>
-          </a:p>
-          <a:p>
-            <a:r>
-              <a:rPr lang="en-US" sz="2000" dirty="0">
-                <a:latin typeface="Sulphur Point" panose="00000500000000000000" pitchFamily="2" charset="0"/>
-              </a:rPr>
-              <a:t>Hall is infinite and objects are randomly generated.</a:t>
-            </a:r>
-          </a:p>
-          <a:p>
-            <a:r>
-              <a:rPr lang="en-US" sz="2000" dirty="0">
-                <a:latin typeface="Sulphur Point" panose="00000500000000000000" pitchFamily="2" charset="0"/>
-              </a:rPr>
-              <a:t>As time passes and the ship sinks, the hall rotates slightly and the obstacles fall faster.</a:t>
-            </a:r>
-          </a:p>
-          <a:p>
-            <a:r>
-              <a:rPr lang="en-US" sz="2000" dirty="0">
-                <a:latin typeface="Sulphur Point" panose="00000500000000000000" pitchFamily="2" charset="0"/>
-              </a:rPr>
-              <a:t>Score is directly related with time survived.</a:t>
-            </a:r>
-          </a:p>
-          <a:p>
-            <a:endParaRPr lang="en-US" sz="2000" dirty="0">
-              <a:latin typeface="Sulphur Point" panose="00000500000000000000" pitchFamily="2" charset="0"/>
-            </a:endParaRPr>
-          </a:p>
-        </p:txBody>
-      </p:sp>
     </p:spTree>
     <p:extLst>
       <p:ext uri="{BB962C8B-B14F-4D97-AF65-F5344CB8AC3E}">
-        <p14:creationId xmlns:p14="http://schemas.microsoft.com/office/powerpoint/2010/main" val="3138580312"/>
+        <p14:creationId xmlns:p14="http://schemas.microsoft.com/office/powerpoint/2010/main" val="83238383"/>
       </p:ext>
     </p:extLst>
   </p:cSld>
   <p:clrMapOvr>
     <a:overrideClrMapping bg1="dk1" tx1="lt1" bg2="dk2" tx2="lt2" accent1="accent1" accent2="accent2" accent3="accent3" accent4="accent4" accent5="accent5" accent6="accent6" hlink="hlink" folHlink="folHlink"/>
   </p:clrMapOvr>
-</p:sld>
-</file>
-
-<file path=ppt/slides/slide7.xml><?xml version="1.0" encoding="utf-8"?>
-<p:sld xmlns:a="http://schemas.openxmlformats.org/drawingml/2006/main" xmlns:r="http://schemas.openxmlformats.org/officeDocument/2006/relationships" xmlns:p="http://schemas.openxmlformats.org/presentationml/2006/main">
-  <p:cSld>
-    <p:spTree>
-      <p:nvGrpSpPr>
-        <p:cNvPr id="1" name=""/>
-        <p:cNvGrpSpPr/>
-        <p:nvPr/>
-      </p:nvGrpSpPr>
-      <p:grpSpPr>
-        <a:xfrm>
-          <a:off x="0" y="0"/>
-          <a:ext cx="0" cy="0"/>
-          <a:chOff x="0" y="0"/>
-          <a:chExt cx="0" cy="0"/>
-        </a:xfrm>
-      </p:grpSpPr>
-      <p:pic>
-        <p:nvPicPr>
-          <p:cNvPr id="6" name="Imagem 5" descr="Uma imagem com monitor, sentado, escuro, computador&#10;&#10;Descrição gerada automaticamente">
-            <a:extLst>
-              <a:ext uri="{FF2B5EF4-FFF2-40B4-BE49-F238E27FC236}">
-                <a16:creationId xmlns:a16="http://schemas.microsoft.com/office/drawing/2014/main" id="{2A6EB798-4026-487C-AD5D-BF8C40371FEE}"/>
-              </a:ext>
-            </a:extLst>
-          </p:cNvPr>
-          <p:cNvPicPr>
-            <a:picLocks noChangeAspect="1"/>
-          </p:cNvPicPr>
-          <p:nvPr/>
-        </p:nvPicPr>
-        <p:blipFill>
-          <a:blip r:embed="rId2">
-            <a:extLst>
-              <a:ext uri="{28A0092B-C50C-407E-A947-70E740481C1C}">
-                <a14:useLocalDpi xmlns:a14="http://schemas.microsoft.com/office/drawing/2010/main" val="0"/>
-              </a:ext>
-            </a:extLst>
-          </a:blip>
-          <a:stretch>
-            <a:fillRect/>
-          </a:stretch>
-        </p:blipFill>
-        <p:spPr>
-          <a:xfrm>
-            <a:off x="0" y="0"/>
-            <a:ext cx="12192000" cy="6858000"/>
-          </a:xfrm>
-          <a:prstGeom prst="rect">
-            <a:avLst/>
-          </a:prstGeom>
-        </p:spPr>
-      </p:pic>
-    </p:spTree>
-    <p:extLst>
-      <p:ext uri="{BB962C8B-B14F-4D97-AF65-F5344CB8AC3E}">
-        <p14:creationId xmlns:p14="http://schemas.microsoft.com/office/powerpoint/2010/main" val="859842238"/>
-      </p:ext>
-    </p:extLst>
-  </p:cSld>
-  <p:clrMapOvr>
-    <a:masterClrMapping/>
-  </p:clrMapOvr>
-</p:sld>
-</file>
-
-<file path=ppt/slides/slide8.xml><?xml version="1.0" encoding="utf-8"?>
-<p:sld xmlns:a="http://schemas.openxmlformats.org/drawingml/2006/main" xmlns:r="http://schemas.openxmlformats.org/officeDocument/2006/relationships" xmlns:p="http://schemas.openxmlformats.org/presentationml/2006/main">
-  <p:cSld>
-    <p:spTree>
-      <p:nvGrpSpPr>
-        <p:cNvPr id="1" name=""/>
-        <p:cNvGrpSpPr/>
-        <p:nvPr/>
-      </p:nvGrpSpPr>
-      <p:grpSpPr>
-        <a:xfrm>
-          <a:off x="0" y="0"/>
-          <a:ext cx="0" cy="0"/>
-          <a:chOff x="0" y="0"/>
-          <a:chExt cx="0" cy="0"/>
-        </a:xfrm>
-      </p:grpSpPr>
-      <p:pic>
-        <p:nvPicPr>
-          <p:cNvPr id="3" name="Imagem 2" descr="Uma imagem com monitor, interior, ecrã, sentado&#10;&#10;Descrição gerada automaticamente">
-            <a:extLst>
-              <a:ext uri="{FF2B5EF4-FFF2-40B4-BE49-F238E27FC236}">
-                <a16:creationId xmlns:a16="http://schemas.microsoft.com/office/drawing/2014/main" id="{1005C601-3591-46E0-84C4-0E9DC5943B6B}"/>
-              </a:ext>
-            </a:extLst>
-          </p:cNvPr>
-          <p:cNvPicPr>
-            <a:picLocks noChangeAspect="1"/>
-          </p:cNvPicPr>
-          <p:nvPr/>
-        </p:nvPicPr>
-        <p:blipFill>
-          <a:blip r:embed="rId2">
-            <a:extLst>
-              <a:ext uri="{28A0092B-C50C-407E-A947-70E740481C1C}">
-                <a14:useLocalDpi xmlns:a14="http://schemas.microsoft.com/office/drawing/2010/main" val="0"/>
-              </a:ext>
-            </a:extLst>
-          </a:blip>
-          <a:stretch>
-            <a:fillRect/>
-          </a:stretch>
-        </p:blipFill>
-        <p:spPr>
-          <a:xfrm>
-            <a:off x="0" y="0"/>
-            <a:ext cx="12192000" cy="6858000"/>
-          </a:xfrm>
-          <a:prstGeom prst="rect">
-            <a:avLst/>
-          </a:prstGeom>
-        </p:spPr>
-      </p:pic>
-      <p:pic>
-        <p:nvPicPr>
-          <p:cNvPr id="5" name="Imagem 4" descr="Uma imagem com captura de ecrã, computador&#10;&#10;Descrição gerada automaticamente">
-            <a:extLst>
-              <a:ext uri="{FF2B5EF4-FFF2-40B4-BE49-F238E27FC236}">
-                <a16:creationId xmlns:a16="http://schemas.microsoft.com/office/drawing/2014/main" id="{75F6D400-F4FB-4B76-8505-0798AB4DBD90}"/>
-              </a:ext>
-            </a:extLst>
-          </p:cNvPr>
-          <p:cNvPicPr>
-            <a:picLocks noChangeAspect="1"/>
-          </p:cNvPicPr>
-          <p:nvPr/>
-        </p:nvPicPr>
-        <p:blipFill rotWithShape="1">
-          <a:blip r:embed="rId3">
-            <a:extLst>
-              <a:ext uri="{28A0092B-C50C-407E-A947-70E740481C1C}">
-                <a14:useLocalDpi xmlns:a14="http://schemas.microsoft.com/office/drawing/2010/main" val="0"/>
-              </a:ext>
-            </a:extLst>
-          </a:blip>
-          <a:srcRect t="2589" b="13527"/>
-          <a:stretch/>
-        </p:blipFill>
-        <p:spPr>
-          <a:xfrm>
-            <a:off x="4182862" y="130228"/>
-            <a:ext cx="3826276" cy="6597543"/>
-          </a:xfrm>
-          <a:prstGeom prst="rect">
-            <a:avLst/>
-          </a:prstGeom>
-        </p:spPr>
-      </p:pic>
-    </p:spTree>
-    <p:extLst>
-      <p:ext uri="{BB962C8B-B14F-4D97-AF65-F5344CB8AC3E}">
-        <p14:creationId xmlns:p14="http://schemas.microsoft.com/office/powerpoint/2010/main" val="2505613805"/>
-      </p:ext>
-    </p:extLst>
-  </p:cSld>
-  <p:clrMapOvr>
-    <a:masterClrMapping/>
-  </p:clrMapOvr>
-  <p:timing>
-    <p:tnLst>
-      <p:par>
-        <p:cTn id="1" dur="indefinite" restart="never" nodeType="tmRoot">
-          <p:childTnLst>
-            <p:seq concurrent="1" nextAc="seek">
-              <p:cTn id="2" dur="indefinite" nodeType="mainSeq">
-                <p:childTnLst>
-                  <p:par>
-                    <p:cTn id="3" fill="hold">
-                      <p:stCondLst>
-                        <p:cond delay="indefinite"/>
-                      </p:stCondLst>
-                      <p:childTnLst>
-                        <p:par>
-                          <p:cTn id="4" fill="hold">
-                            <p:stCondLst>
-                              <p:cond delay="0"/>
-                            </p:stCondLst>
-                            <p:childTnLst>
-                              <p:par>
-                                <p:cTn id="5" presetID="42" presetClass="entr" presetSubtype="0" fill="hold" nodeType="clickEffect">
-                                  <p:stCondLst>
-                                    <p:cond delay="0"/>
-                                  </p:stCondLst>
-                                  <p:childTnLst>
-                                    <p:set>
-                                      <p:cBhvr>
-                                        <p:cTn id="6" dur="1" fill="hold">
-                                          <p:stCondLst>
-                                            <p:cond delay="0"/>
-                                          </p:stCondLst>
-                                        </p:cTn>
-                                        <p:tgtEl>
-                                          <p:spTgt spid="5"/>
-                                        </p:tgtEl>
-                                        <p:attrNameLst>
-                                          <p:attrName>style.visibility</p:attrName>
-                                        </p:attrNameLst>
-                                      </p:cBhvr>
-                                      <p:to>
-                                        <p:strVal val="visible"/>
-                                      </p:to>
-                                    </p:set>
-                                    <p:animEffect transition="in" filter="fade">
-                                      <p:cBhvr>
-                                        <p:cTn id="7" dur="1000"/>
-                                        <p:tgtEl>
-                                          <p:spTgt spid="5"/>
-                                        </p:tgtEl>
-                                      </p:cBhvr>
-                                    </p:animEffect>
-                                    <p:anim calcmode="lin" valueType="num">
-                                      <p:cBhvr>
-                                        <p:cTn id="8" dur="1000" fill="hold"/>
-                                        <p:tgtEl>
-                                          <p:spTgt spid="5"/>
-                                        </p:tgtEl>
-                                        <p:attrNameLst>
-                                          <p:attrName>ppt_x</p:attrName>
-                                        </p:attrNameLst>
-                                      </p:cBhvr>
-                                      <p:tavLst>
-                                        <p:tav tm="0">
-                                          <p:val>
-                                            <p:strVal val="#ppt_x"/>
-                                          </p:val>
-                                        </p:tav>
-                                        <p:tav tm="100000">
-                                          <p:val>
-                                            <p:strVal val="#ppt_x"/>
-                                          </p:val>
-                                        </p:tav>
-                                      </p:tavLst>
-                                    </p:anim>
-                                    <p:anim calcmode="lin" valueType="num">
-                                      <p:cBhvr>
-                                        <p:cTn id="9" dur="1000" fill="hold"/>
-                                        <p:tgtEl>
-                                          <p:spTgt spid="5"/>
-                                        </p:tgtEl>
-                                        <p:attrNameLst>
-                                          <p:attrName>ppt_y</p:attrName>
-                                        </p:attrNameLst>
-                                      </p:cBhvr>
-                                      <p:tavLst>
-                                        <p:tav tm="0">
-                                          <p:val>
-                                            <p:strVal val="#ppt_y+.1"/>
-                                          </p:val>
-                                        </p:tav>
-                                        <p:tav tm="100000">
-                                          <p:val>
-                                            <p:strVal val="#ppt_y"/>
-                                          </p:val>
-                                        </p:tav>
-                                      </p:tavLst>
-                                    </p:anim>
-                                  </p:childTnLst>
-                                </p:cTn>
-                              </p:par>
-                            </p:childTnLst>
-                          </p:cTn>
-                        </p:par>
-                      </p:childTnLst>
-                    </p:cTn>
-                  </p:par>
-                </p:childTnLst>
-              </p:cTn>
-              <p:prevCondLst>
-                <p:cond evt="onPrev" delay="0">
-                  <p:tgtEl>
-                    <p:sldTgt/>
-                  </p:tgtEl>
-                </p:cond>
-              </p:prevCondLst>
-              <p:nextCondLst>
-                <p:cond evt="onNext" delay="0">
-                  <p:tgtEl>
-                    <p:sldTgt/>
-                  </p:tgtEl>
-                </p:cond>
-              </p:nextCondLst>
-            </p:seq>
-          </p:childTnLst>
-        </p:cTn>
-      </p:par>
-    </p:tnLst>
-  </p:timing>
-</p:sld>
-</file>
-
-<file path=ppt/slides/slide9.xml><?xml version="1.0" encoding="utf-8"?>
-<p:sld xmlns:a="http://schemas.openxmlformats.org/drawingml/2006/main" xmlns:r="http://schemas.openxmlformats.org/officeDocument/2006/relationships" xmlns:p="http://schemas.openxmlformats.org/presentationml/2006/main">
-  <p:cSld>
-    <p:spTree>
-      <p:nvGrpSpPr>
-        <p:cNvPr id="1" name=""/>
-        <p:cNvGrpSpPr/>
-        <p:nvPr/>
-      </p:nvGrpSpPr>
-      <p:grpSpPr>
-        <a:xfrm>
-          <a:off x="0" y="0"/>
-          <a:ext cx="0" cy="0"/>
-          <a:chOff x="0" y="0"/>
-          <a:chExt cx="0" cy="0"/>
-        </a:xfrm>
-      </p:grpSpPr>
-      <p:pic>
-        <p:nvPicPr>
-          <p:cNvPr id="5" name="Imagem 4" descr="Uma imagem com interior, monitor, ecrã, sentado&#10;&#10;Descrição gerada automaticamente">
-            <a:extLst>
-              <a:ext uri="{FF2B5EF4-FFF2-40B4-BE49-F238E27FC236}">
-                <a16:creationId xmlns:a16="http://schemas.microsoft.com/office/drawing/2014/main" id="{B71AA7B9-FEC2-4A11-AF53-2AC48DBBD3B1}"/>
-              </a:ext>
-            </a:extLst>
-          </p:cNvPr>
-          <p:cNvPicPr>
-            <a:picLocks noChangeAspect="1"/>
-          </p:cNvPicPr>
-          <p:nvPr/>
-        </p:nvPicPr>
-        <p:blipFill>
-          <a:blip r:embed="rId2">
-            <a:extLst>
-              <a:ext uri="{28A0092B-C50C-407E-A947-70E740481C1C}">
-                <a14:useLocalDpi xmlns:a14="http://schemas.microsoft.com/office/drawing/2010/main" val="0"/>
-              </a:ext>
-            </a:extLst>
-          </a:blip>
-          <a:stretch>
-            <a:fillRect/>
-          </a:stretch>
-        </p:blipFill>
-        <p:spPr>
-          <a:xfrm>
-            <a:off x="0" y="0"/>
-            <a:ext cx="12192000" cy="6858000"/>
-          </a:xfrm>
-          <a:prstGeom prst="rect">
-            <a:avLst/>
-          </a:prstGeom>
-        </p:spPr>
-      </p:pic>
-      <p:pic>
-        <p:nvPicPr>
-          <p:cNvPr id="7" name="Imagem 6" descr="Uma imagem com símbolo, rua, contador&#10;&#10;Descrição gerada automaticamente">
-            <a:extLst>
-              <a:ext uri="{FF2B5EF4-FFF2-40B4-BE49-F238E27FC236}">
-                <a16:creationId xmlns:a16="http://schemas.microsoft.com/office/drawing/2014/main" id="{8C45B74F-B226-401F-AE06-0C1890F2BE68}"/>
-              </a:ext>
-            </a:extLst>
-          </p:cNvPr>
-          <p:cNvPicPr>
-            <a:picLocks noChangeAspect="1"/>
-          </p:cNvPicPr>
-          <p:nvPr/>
-        </p:nvPicPr>
-        <p:blipFill>
-          <a:blip r:embed="rId3">
-            <a:extLst>
-              <a:ext uri="{28A0092B-C50C-407E-A947-70E740481C1C}">
-                <a14:useLocalDpi xmlns:a14="http://schemas.microsoft.com/office/drawing/2010/main" val="0"/>
-              </a:ext>
-            </a:extLst>
-          </a:blip>
-          <a:stretch>
-            <a:fillRect/>
-          </a:stretch>
-        </p:blipFill>
-        <p:spPr>
-          <a:xfrm rot="673184">
-            <a:off x="7650218" y="2272586"/>
-            <a:ext cx="3566270" cy="918835"/>
-          </a:xfrm>
-          <a:prstGeom prst="rect">
-            <a:avLst/>
-          </a:prstGeom>
-        </p:spPr>
-      </p:pic>
-      <p:pic>
-        <p:nvPicPr>
-          <p:cNvPr id="9" name="Imagem 8" descr="Uma imagem com desenho&#10;&#10;Descrição gerada automaticamente">
-            <a:extLst>
-              <a:ext uri="{FF2B5EF4-FFF2-40B4-BE49-F238E27FC236}">
-                <a16:creationId xmlns:a16="http://schemas.microsoft.com/office/drawing/2014/main" id="{931A7DDC-06D9-4679-9C1E-5AC158FDB394}"/>
-              </a:ext>
-            </a:extLst>
-          </p:cNvPr>
-          <p:cNvPicPr>
-            <a:picLocks noChangeAspect="1"/>
-          </p:cNvPicPr>
-          <p:nvPr/>
-        </p:nvPicPr>
-        <p:blipFill>
-          <a:blip r:embed="rId4">
-            <a:extLst>
-              <a:ext uri="{28A0092B-C50C-407E-A947-70E740481C1C}">
-                <a14:useLocalDpi xmlns:a14="http://schemas.microsoft.com/office/drawing/2010/main" val="0"/>
-              </a:ext>
-            </a:extLst>
-          </a:blip>
-          <a:stretch>
-            <a:fillRect/>
-          </a:stretch>
-        </p:blipFill>
-        <p:spPr>
-          <a:xfrm rot="20842471">
-            <a:off x="952506" y="2471230"/>
-            <a:ext cx="3566269" cy="1029438"/>
-          </a:xfrm>
-          <a:prstGeom prst="rect">
-            <a:avLst/>
-          </a:prstGeom>
-        </p:spPr>
-      </p:pic>
-      <p:pic>
-        <p:nvPicPr>
-          <p:cNvPr id="11" name="Imagem 10" descr="Uma imagem com desenho&#10;&#10;Descrição gerada automaticamente">
-            <a:extLst>
-              <a:ext uri="{FF2B5EF4-FFF2-40B4-BE49-F238E27FC236}">
-                <a16:creationId xmlns:a16="http://schemas.microsoft.com/office/drawing/2014/main" id="{1C006877-14F4-4D5E-A8EA-5A6C9C58FA2D}"/>
-              </a:ext>
-            </a:extLst>
-          </p:cNvPr>
-          <p:cNvPicPr>
-            <a:picLocks noChangeAspect="1"/>
-          </p:cNvPicPr>
-          <p:nvPr/>
-        </p:nvPicPr>
-        <p:blipFill>
-          <a:blip r:embed="rId5">
-            <a:extLst>
-              <a:ext uri="{28A0092B-C50C-407E-A947-70E740481C1C}">
-                <a14:useLocalDpi xmlns:a14="http://schemas.microsoft.com/office/drawing/2010/main" val="0"/>
-              </a:ext>
-            </a:extLst>
-          </a:blip>
-          <a:stretch>
-            <a:fillRect/>
-          </a:stretch>
-        </p:blipFill>
-        <p:spPr>
-          <a:xfrm rot="20876829">
-            <a:off x="7654684" y="3093886"/>
-            <a:ext cx="3566268" cy="949027"/>
-          </a:xfrm>
-          <a:prstGeom prst="rect">
-            <a:avLst/>
-          </a:prstGeom>
-        </p:spPr>
-      </p:pic>
-    </p:spTree>
-    <p:extLst>
-      <p:ext uri="{BB962C8B-B14F-4D97-AF65-F5344CB8AC3E}">
-        <p14:creationId xmlns:p14="http://schemas.microsoft.com/office/powerpoint/2010/main" val="1650510472"/>
-      </p:ext>
-    </p:extLst>
-  </p:cSld>
-  <p:clrMapOvr>
-    <a:masterClrMapping/>
-  </p:clrMapOvr>
-  <p:timing>
-    <p:tnLst>
-      <p:par>
-        <p:cTn id="1" dur="indefinite" restart="never" nodeType="tmRoot">
-          <p:childTnLst>
-            <p:seq concurrent="1" nextAc="seek">
-              <p:cTn id="2" dur="indefinite" nodeType="mainSeq">
-                <p:childTnLst>
-                  <p:par>
-                    <p:cTn id="3" fill="hold">
-                      <p:stCondLst>
-                        <p:cond delay="indefinite"/>
-                      </p:stCondLst>
-                      <p:childTnLst>
-                        <p:par>
-                          <p:cTn id="4" fill="hold">
-                            <p:stCondLst>
-                              <p:cond delay="0"/>
-                            </p:stCondLst>
-                            <p:childTnLst>
-                              <p:par>
-                                <p:cTn id="5" presetID="53" presetClass="entr" presetSubtype="16" fill="hold" nodeType="clickEffect">
-                                  <p:stCondLst>
-                                    <p:cond delay="0"/>
-                                  </p:stCondLst>
-                                  <p:childTnLst>
-                                    <p:set>
-                                      <p:cBhvr>
-                                        <p:cTn id="6" dur="1" fill="hold">
-                                          <p:stCondLst>
-                                            <p:cond delay="0"/>
-                                          </p:stCondLst>
-                                        </p:cTn>
-                                        <p:tgtEl>
-                                          <p:spTgt spid="7"/>
-                                        </p:tgtEl>
-                                        <p:attrNameLst>
-                                          <p:attrName>style.visibility</p:attrName>
-                                        </p:attrNameLst>
-                                      </p:cBhvr>
-                                      <p:to>
-                                        <p:strVal val="visible"/>
-                                      </p:to>
-                                    </p:set>
-                                    <p:anim calcmode="lin" valueType="num">
-                                      <p:cBhvr>
-                                        <p:cTn id="7" dur="500" fill="hold"/>
-                                        <p:tgtEl>
-                                          <p:spTgt spid="7"/>
-                                        </p:tgtEl>
-                                        <p:attrNameLst>
-                                          <p:attrName>ppt_w</p:attrName>
-                                        </p:attrNameLst>
-                                      </p:cBhvr>
-                                      <p:tavLst>
-                                        <p:tav tm="0">
-                                          <p:val>
-                                            <p:fltVal val="0"/>
-                                          </p:val>
-                                        </p:tav>
-                                        <p:tav tm="100000">
-                                          <p:val>
-                                            <p:strVal val="#ppt_w"/>
-                                          </p:val>
-                                        </p:tav>
-                                      </p:tavLst>
-                                    </p:anim>
-                                    <p:anim calcmode="lin" valueType="num">
-                                      <p:cBhvr>
-                                        <p:cTn id="8" dur="500" fill="hold"/>
-                                        <p:tgtEl>
-                                          <p:spTgt spid="7"/>
-                                        </p:tgtEl>
-                                        <p:attrNameLst>
-                                          <p:attrName>ppt_h</p:attrName>
-                                        </p:attrNameLst>
-                                      </p:cBhvr>
-                                      <p:tavLst>
-                                        <p:tav tm="0">
-                                          <p:val>
-                                            <p:fltVal val="0"/>
-                                          </p:val>
-                                        </p:tav>
-                                        <p:tav tm="100000">
-                                          <p:val>
-                                            <p:strVal val="#ppt_h"/>
-                                          </p:val>
-                                        </p:tav>
-                                      </p:tavLst>
-                                    </p:anim>
-                                    <p:animEffect transition="in" filter="fade">
-                                      <p:cBhvr>
-                                        <p:cTn id="9" dur="500"/>
-                                        <p:tgtEl>
-                                          <p:spTgt spid="7"/>
-                                        </p:tgtEl>
-                                      </p:cBhvr>
-                                    </p:animEffect>
-                                  </p:childTnLst>
-                                </p:cTn>
-                              </p:par>
-                            </p:childTnLst>
-                          </p:cTn>
-                        </p:par>
-                      </p:childTnLst>
-                    </p:cTn>
-                  </p:par>
-                  <p:par>
-                    <p:cTn id="10" fill="hold">
-                      <p:stCondLst>
-                        <p:cond delay="indefinite"/>
-                      </p:stCondLst>
-                      <p:childTnLst>
-                        <p:par>
-                          <p:cTn id="11" fill="hold">
-                            <p:stCondLst>
-                              <p:cond delay="0"/>
-                            </p:stCondLst>
-                            <p:childTnLst>
-                              <p:par>
-                                <p:cTn id="12" presetID="53" presetClass="entr" presetSubtype="16" fill="hold" nodeType="clickEffect">
-                                  <p:stCondLst>
-                                    <p:cond delay="0"/>
-                                  </p:stCondLst>
-                                  <p:childTnLst>
-                                    <p:set>
-                                      <p:cBhvr>
-                                        <p:cTn id="13" dur="1" fill="hold">
-                                          <p:stCondLst>
-                                            <p:cond delay="0"/>
-                                          </p:stCondLst>
-                                        </p:cTn>
-                                        <p:tgtEl>
-                                          <p:spTgt spid="9"/>
-                                        </p:tgtEl>
-                                        <p:attrNameLst>
-                                          <p:attrName>style.visibility</p:attrName>
-                                        </p:attrNameLst>
-                                      </p:cBhvr>
-                                      <p:to>
-                                        <p:strVal val="visible"/>
-                                      </p:to>
-                                    </p:set>
-                                    <p:anim calcmode="lin" valueType="num">
-                                      <p:cBhvr>
-                                        <p:cTn id="14" dur="500" fill="hold"/>
-                                        <p:tgtEl>
-                                          <p:spTgt spid="9"/>
-                                        </p:tgtEl>
-                                        <p:attrNameLst>
-                                          <p:attrName>ppt_w</p:attrName>
-                                        </p:attrNameLst>
-                                      </p:cBhvr>
-                                      <p:tavLst>
-                                        <p:tav tm="0">
-                                          <p:val>
-                                            <p:fltVal val="0"/>
-                                          </p:val>
-                                        </p:tav>
-                                        <p:tav tm="100000">
-                                          <p:val>
-                                            <p:strVal val="#ppt_w"/>
-                                          </p:val>
-                                        </p:tav>
-                                      </p:tavLst>
-                                    </p:anim>
-                                    <p:anim calcmode="lin" valueType="num">
-                                      <p:cBhvr>
-                                        <p:cTn id="15" dur="500" fill="hold"/>
-                                        <p:tgtEl>
-                                          <p:spTgt spid="9"/>
-                                        </p:tgtEl>
-                                        <p:attrNameLst>
-                                          <p:attrName>ppt_h</p:attrName>
-                                        </p:attrNameLst>
-                                      </p:cBhvr>
-                                      <p:tavLst>
-                                        <p:tav tm="0">
-                                          <p:val>
-                                            <p:fltVal val="0"/>
-                                          </p:val>
-                                        </p:tav>
-                                        <p:tav tm="100000">
-                                          <p:val>
-                                            <p:strVal val="#ppt_h"/>
-                                          </p:val>
-                                        </p:tav>
-                                      </p:tavLst>
-                                    </p:anim>
-                                    <p:animEffect transition="in" filter="fade">
-                                      <p:cBhvr>
-                                        <p:cTn id="16" dur="500"/>
-                                        <p:tgtEl>
-                                          <p:spTgt spid="9"/>
-                                        </p:tgtEl>
-                                      </p:cBhvr>
-                                    </p:animEffect>
-                                  </p:childTnLst>
-                                </p:cTn>
-                              </p:par>
-                            </p:childTnLst>
-                          </p:cTn>
-                        </p:par>
-                      </p:childTnLst>
-                    </p:cTn>
-                  </p:par>
-                  <p:par>
-                    <p:cTn id="17" fill="hold">
-                      <p:stCondLst>
-                        <p:cond delay="indefinite"/>
-                      </p:stCondLst>
-                      <p:childTnLst>
-                        <p:par>
-                          <p:cTn id="18" fill="hold">
-                            <p:stCondLst>
-                              <p:cond delay="0"/>
-                            </p:stCondLst>
-                            <p:childTnLst>
-                              <p:par>
-                                <p:cTn id="19" presetID="53" presetClass="entr" presetSubtype="16" fill="hold" nodeType="clickEffect">
-                                  <p:stCondLst>
-                                    <p:cond delay="0"/>
-                                  </p:stCondLst>
-                                  <p:childTnLst>
-                                    <p:set>
-                                      <p:cBhvr>
-                                        <p:cTn id="20" dur="1" fill="hold">
-                                          <p:stCondLst>
-                                            <p:cond delay="0"/>
-                                          </p:stCondLst>
-                                        </p:cTn>
-                                        <p:tgtEl>
-                                          <p:spTgt spid="11"/>
-                                        </p:tgtEl>
-                                        <p:attrNameLst>
-                                          <p:attrName>style.visibility</p:attrName>
-                                        </p:attrNameLst>
-                                      </p:cBhvr>
-                                      <p:to>
-                                        <p:strVal val="visible"/>
-                                      </p:to>
-                                    </p:set>
-                                    <p:anim calcmode="lin" valueType="num">
-                                      <p:cBhvr>
-                                        <p:cTn id="21" dur="500" fill="hold"/>
-                                        <p:tgtEl>
-                                          <p:spTgt spid="11"/>
-                                        </p:tgtEl>
-                                        <p:attrNameLst>
-                                          <p:attrName>ppt_w</p:attrName>
-                                        </p:attrNameLst>
-                                      </p:cBhvr>
-                                      <p:tavLst>
-                                        <p:tav tm="0">
-                                          <p:val>
-                                            <p:fltVal val="0"/>
-                                          </p:val>
-                                        </p:tav>
-                                        <p:tav tm="100000">
-                                          <p:val>
-                                            <p:strVal val="#ppt_w"/>
-                                          </p:val>
-                                        </p:tav>
-                                      </p:tavLst>
-                                    </p:anim>
-                                    <p:anim calcmode="lin" valueType="num">
-                                      <p:cBhvr>
-                                        <p:cTn id="22" dur="500" fill="hold"/>
-                                        <p:tgtEl>
-                                          <p:spTgt spid="11"/>
-                                        </p:tgtEl>
-                                        <p:attrNameLst>
-                                          <p:attrName>ppt_h</p:attrName>
-                                        </p:attrNameLst>
-                                      </p:cBhvr>
-                                      <p:tavLst>
-                                        <p:tav tm="0">
-                                          <p:val>
-                                            <p:fltVal val="0"/>
-                                          </p:val>
-                                        </p:tav>
-                                        <p:tav tm="100000">
-                                          <p:val>
-                                            <p:strVal val="#ppt_h"/>
-                                          </p:val>
-                                        </p:tav>
-                                      </p:tavLst>
-                                    </p:anim>
-                                    <p:animEffect transition="in" filter="fade">
-                                      <p:cBhvr>
-                                        <p:cTn id="23" dur="500"/>
-                                        <p:tgtEl>
-                                          <p:spTgt spid="11"/>
-                                        </p:tgtEl>
-                                      </p:cBhvr>
-                                    </p:animEffect>
-                                  </p:childTnLst>
-                                </p:cTn>
-                              </p:par>
-                            </p:childTnLst>
-                          </p:cTn>
-                        </p:par>
-                      </p:childTnLst>
-                    </p:cTn>
-                  </p:par>
-                </p:childTnLst>
-              </p:cTn>
-              <p:prevCondLst>
-                <p:cond evt="onPrev" delay="0">
-                  <p:tgtEl>
-                    <p:sldTgt/>
-                  </p:tgtEl>
-                </p:cond>
-              </p:prevCondLst>
-              <p:nextCondLst>
-                <p:cond evt="onNext" delay="0">
-                  <p:tgtEl>
-                    <p:sldTgt/>
-                  </p:tgtEl>
-                </p:cond>
-              </p:nextCondLst>
-            </p:seq>
-          </p:childTnLst>
-        </p:cTn>
-      </p:par>
-    </p:tnLst>
-  </p:timing>
 </p:sld>
 </file>
 
